--- a/Week 6 & 7/Week 7 (Slide).pptx
+++ b/Week 6 & 7/Week 7 (Slide).pptx
@@ -3358,7 +3358,7 @@
       </p:grpSpPr>
       <p:sp>
         <p:nvSpPr>
-          <p:cNvPr id="10" name="Title 9"/>
+          <p:cNvPr id="5" name="Title 4"/>
           <p:cNvSpPr>
             <a:spLocks noGrp="1"/>
           </p:cNvSpPr>
@@ -3376,7 +3376,7 @@
       </p:sp>
       <p:graphicFrame>
         <p:nvGraphicFramePr>
-          <p:cNvPr id="12" name="Content Placeholder 11"/>
+          <p:cNvPr id="7" name="Content Placeholder 6"/>
           <p:cNvGraphicFramePr>
             <a:graphicFrameLocks noChangeAspect="1"/>
           </p:cNvGraphicFramePr>
@@ -3385,23 +3385,23 @@
           </p:nvPr>
         </p:nvGraphicFramePr>
         <p:xfrm>
-          <a:off x="7620" y="-25400"/>
-          <a:ext cx="12185015" cy="6885940"/>
+          <a:off x="-2540" y="-15240"/>
+          <a:ext cx="12204700" cy="6885940"/>
         </p:xfrm>
         <a:graphic>
           <a:graphicData uri="http://schemas.openxmlformats.org/presentationml/2006/ole">
             <mc:AlternateContent xmlns:mc="http://schemas.openxmlformats.org/markup-compatibility/2006">
               <mc:Choice xmlns:v="urn:schemas-microsoft-com:vml" Requires="v">
-                <p:oleObj spid="_x0000_s13" name="" r:id="rId1" imgW="8031480" imgH="5905500" progId="Paint.Picture">
+                <p:oleObj spid="_x0000_s8" name="" r:id="rId1" imgW="8039100" imgH="6012180" progId="Paint.Picture">
                   <p:embed/>
                 </p:oleObj>
               </mc:Choice>
               <mc:Fallback>
-                <p:oleObj name="" r:id="rId1" imgW="8031480" imgH="5905500" progId="Paint.Picture">
+                <p:oleObj name="" r:id="rId1" imgW="8039100" imgH="6012180" progId="Paint.Picture">
                   <p:embed/>
                   <p:pic>
                     <p:nvPicPr>
-                      <p:cNvPr id="0" name="Picture 12"/>
+                      <p:cNvPr id="0" name="Picture 7"/>
                       <p:cNvPicPr/>
                       <p:nvPr/>
                     </p:nvPicPr>
@@ -3413,8 +3413,8 @@
                     </p:blipFill>
                     <p:spPr>
                       <a:xfrm>
-                        <a:off x="7620" y="-25400"/>
-                        <a:ext cx="12185015" cy="6885940"/>
+                        <a:off x="-2540" y="-15240"/>
+                        <a:ext cx="12204700" cy="6885940"/>
                       </a:xfrm>
                       <a:prstGeom prst="rect">
                         <a:avLst/>

--- a/Week 6 & 7/Week 7 (Slide).pptx
+++ b/Week 6 & 7/Week 7 (Slide).pptx
@@ -5,8 +5,9 @@
     <p:sldMasterId id="2147483648" r:id="rId1"/>
   </p:sldMasterIdLst>
   <p:sldIdLst>
-    <p:sldId id="256" r:id="rId3"/>
-    <p:sldId id="271" r:id="rId4"/>
+    <p:sldId id="256" r:id="rId2"/>
+    <p:sldId id="271" r:id="rId3"/>
+    <p:sldId id="273" r:id="rId4"/>
     <p:sldId id="270" r:id="rId5"/>
     <p:sldId id="272" r:id="rId6"/>
     <p:sldId id="269" r:id="rId7"/>
@@ -109,7 +110,88 @@
       </a:defRPr>
     </a:lvl9pPr>
   </p:defaultTextStyle>
+  <p:extLst>
+    <p:ext uri="{EFAFB233-063F-42B5-8137-9DF3F51BA10A}">
+      <p15:sldGuideLst xmlns:p15="http://schemas.microsoft.com/office/powerpoint/2012/main"/>
+    </p:ext>
+  </p:extLst>
 </p:presentation>
+</file>
+
+<file path=ppt/changesInfos/changesInfo1.xml><?xml version="1.0" encoding="utf-8"?>
+<pc:chgInfo xmlns:a="http://schemas.openxmlformats.org/drawingml/2006/main" xmlns:r="http://schemas.openxmlformats.org/officeDocument/2006/relationships" xmlns:ac="http://schemas.microsoft.com/office/drawing/2013/main/command" xmlns:pc="http://schemas.microsoft.com/office/powerpoint/2013/main/command">
+  <pc:docChgLst>
+    <pc:chgData name="靖凯 黄" userId="48f8a7552fafc155" providerId="Windows Live" clId="Web-{EE973058-3C1A-4F69-882D-785398EC157E}"/>
+    <pc:docChg chg="addSld modSld">
+      <pc:chgData name="靖凯 黄" userId="48f8a7552fafc155" providerId="Windows Live" clId="Web-{EE973058-3C1A-4F69-882D-785398EC157E}" dt="2019-07-10T02:57:37.777" v="13" actId="14100"/>
+      <pc:docMkLst>
+        <pc:docMk/>
+      </pc:docMkLst>
+      <pc:sldChg chg="delSp">
+        <pc:chgData name="靖凯 黄" userId="48f8a7552fafc155" providerId="Windows Live" clId="Web-{EE973058-3C1A-4F69-882D-785398EC157E}" dt="2019-07-10T02:52:45.544" v="1"/>
+        <pc:sldMkLst>
+          <pc:docMk/>
+          <pc:sldMk cId="0" sldId="269"/>
+        </pc:sldMkLst>
+        <pc:spChg chg="del">
+          <ac:chgData name="靖凯 黄" userId="48f8a7552fafc155" providerId="Windows Live" clId="Web-{EE973058-3C1A-4F69-882D-785398EC157E}" dt="2019-07-10T02:52:43.950" v="0"/>
+          <ac:spMkLst>
+            <pc:docMk/>
+            <pc:sldMk cId="0" sldId="269"/>
+            <ac:spMk id="3" creationId="{00000000-0000-0000-0000-000000000000}"/>
+          </ac:spMkLst>
+        </pc:spChg>
+        <pc:spChg chg="del">
+          <ac:chgData name="靖凯 黄" userId="48f8a7552fafc155" providerId="Windows Live" clId="Web-{EE973058-3C1A-4F69-882D-785398EC157E}" dt="2019-07-10T02:52:45.544" v="1"/>
+          <ac:spMkLst>
+            <pc:docMk/>
+            <pc:sldMk cId="0" sldId="269"/>
+            <ac:spMk id="4" creationId="{00000000-0000-0000-0000-000000000000}"/>
+          </ac:spMkLst>
+        </pc:spChg>
+      </pc:sldChg>
+      <pc:sldChg chg="addSp delSp modSp new">
+        <pc:chgData name="靖凯 黄" userId="48f8a7552fafc155" providerId="Windows Live" clId="Web-{EE973058-3C1A-4F69-882D-785398EC157E}" dt="2019-07-10T02:57:37.777" v="13" actId="14100"/>
+        <pc:sldMkLst>
+          <pc:docMk/>
+          <pc:sldMk cId="3245123126" sldId="273"/>
+        </pc:sldMkLst>
+        <pc:spChg chg="del">
+          <ac:chgData name="靖凯 黄" userId="48f8a7552fafc155" providerId="Windows Live" clId="Web-{EE973058-3C1A-4F69-882D-785398EC157E}" dt="2019-07-10T02:52:57.435" v="3"/>
+          <ac:spMkLst>
+            <pc:docMk/>
+            <pc:sldMk cId="3245123126" sldId="273"/>
+            <ac:spMk id="2" creationId="{B54F379B-B625-4077-9022-618C683A93EF}"/>
+          </ac:spMkLst>
+        </pc:spChg>
+        <pc:spChg chg="del">
+          <ac:chgData name="靖凯 黄" userId="48f8a7552fafc155" providerId="Windows Live" clId="Web-{EE973058-3C1A-4F69-882D-785398EC157E}" dt="2019-07-10T02:52:58.747" v="4"/>
+          <ac:spMkLst>
+            <pc:docMk/>
+            <pc:sldMk cId="3245123126" sldId="273"/>
+            <ac:spMk id="3" creationId="{8814041C-28C1-494D-A083-E5899E895E48}"/>
+          </ac:spMkLst>
+        </pc:spChg>
+        <pc:spChg chg="del">
+          <ac:chgData name="靖凯 黄" userId="48f8a7552fafc155" providerId="Windows Live" clId="Web-{EE973058-3C1A-4F69-882D-785398EC157E}" dt="2019-07-10T02:53:00.013" v="5"/>
+          <ac:spMkLst>
+            <pc:docMk/>
+            <pc:sldMk cId="3245123126" sldId="273"/>
+            <ac:spMk id="4" creationId="{38162D6C-8D3A-48AD-9ECE-7735CE881A62}"/>
+          </ac:spMkLst>
+        </pc:spChg>
+        <pc:picChg chg="add mod">
+          <ac:chgData name="靖凯 黄" userId="48f8a7552fafc155" providerId="Windows Live" clId="Web-{EE973058-3C1A-4F69-882D-785398EC157E}" dt="2019-07-10T02:57:37.777" v="13" actId="14100"/>
+          <ac:picMkLst>
+            <pc:docMk/>
+            <pc:sldMk cId="3245123126" sldId="273"/>
+            <ac:picMk id="5" creationId="{4FFA0A96-01EE-4F69-817A-D96303446A65}"/>
+          </ac:picMkLst>
+        </pc:picChg>
+      </pc:sldChg>
+    </pc:docChg>
+  </pc:docChgLst>
+</pc:chgInfo>
 </file>
 
 <file path=ppt/slideLayouts/slideLayout1.xml><?xml version="1.0" encoding="utf-8"?>
@@ -157,7 +239,6 @@
               <a:rPr lang="en-US"/>
               <a:t>Click to edit Master title style</a:t>
             </a:r>
-            <a:endParaRPr lang="en-US"/>
           </a:p>
         </p:txBody>
       </p:sp>
@@ -222,7 +303,6 @@
               <a:rPr lang="en-US"/>
               <a:t>Click to edit Master subtitle style</a:t>
             </a:r>
-            <a:endParaRPr lang="en-US"/>
           </a:p>
         </p:txBody>
       </p:sp>
@@ -243,6 +323,7 @@
           <a:p>
             <a:fld id="{63A1C593-65D0-4073-BCC9-577B9352EA97}" type="datetimeFigureOut">
               <a:rPr lang="en-US" smtClean="0"/>
+              <a:t>7/9/2019</a:t>
             </a:fld>
             <a:endParaRPr lang="en-US"/>
           </a:p>
@@ -284,6 +365,7 @@
           <a:p>
             <a:fld id="{9B618960-8005-486C-9A75-10CB2AAC16F9}" type="slidenum">
               <a:rPr lang="en-US" smtClean="0"/>
+              <a:t>‹#›</a:t>
             </a:fld>
             <a:endParaRPr lang="en-US"/>
           </a:p>
@@ -333,7 +415,6 @@
               <a:rPr lang="en-US"/>
               <a:t>Click to edit Master title style</a:t>
             </a:r>
-            <a:endParaRPr lang="en-US"/>
           </a:p>
         </p:txBody>
       </p:sp>
@@ -357,7 +438,6 @@
               <a:rPr lang="en-US"/>
               <a:t>Click to edit Master text styles</a:t>
             </a:r>
-            <a:endParaRPr lang="en-US"/>
           </a:p>
           <a:p>
             <a:pPr lvl="1"/>
@@ -365,7 +445,6 @@
               <a:rPr lang="en-US"/>
               <a:t>Second level</a:t>
             </a:r>
-            <a:endParaRPr lang="en-US"/>
           </a:p>
           <a:p>
             <a:pPr lvl="2"/>
@@ -373,7 +452,6 @@
               <a:rPr lang="en-US"/>
               <a:t>Third level</a:t>
             </a:r>
-            <a:endParaRPr lang="en-US"/>
           </a:p>
           <a:p>
             <a:pPr lvl="3"/>
@@ -381,7 +459,6 @@
               <a:rPr lang="en-US"/>
               <a:t>Fourth level</a:t>
             </a:r>
-            <a:endParaRPr lang="en-US"/>
           </a:p>
           <a:p>
             <a:pPr lvl="4"/>
@@ -389,7 +466,6 @@
               <a:rPr lang="en-US"/>
               <a:t>Fifth level</a:t>
             </a:r>
-            <a:endParaRPr lang="en-US"/>
           </a:p>
         </p:txBody>
       </p:sp>
@@ -410,6 +486,7 @@
           <a:p>
             <a:fld id="{63A1C593-65D0-4073-BCC9-577B9352EA97}" type="datetimeFigureOut">
               <a:rPr lang="en-US" smtClean="0"/>
+              <a:t>7/9/2019</a:t>
             </a:fld>
             <a:endParaRPr lang="en-US"/>
           </a:p>
@@ -451,6 +528,7 @@
           <a:p>
             <a:fld id="{9B618960-8005-486C-9A75-10CB2AAC16F9}" type="slidenum">
               <a:rPr lang="en-US" smtClean="0"/>
+              <a:t>‹#›</a:t>
             </a:fld>
             <a:endParaRPr lang="en-US"/>
           </a:p>
@@ -505,7 +583,6 @@
               <a:rPr lang="en-US"/>
               <a:t>Click to edit Master title style</a:t>
             </a:r>
-            <a:endParaRPr lang="en-US"/>
           </a:p>
         </p:txBody>
       </p:sp>
@@ -534,7 +611,6 @@
               <a:rPr lang="en-US"/>
               <a:t>Click to edit Master text styles</a:t>
             </a:r>
-            <a:endParaRPr lang="en-US"/>
           </a:p>
           <a:p>
             <a:pPr lvl="1"/>
@@ -542,7 +618,6 @@
               <a:rPr lang="en-US"/>
               <a:t>Second level</a:t>
             </a:r>
-            <a:endParaRPr lang="en-US"/>
           </a:p>
           <a:p>
             <a:pPr lvl="2"/>
@@ -550,7 +625,6 @@
               <a:rPr lang="en-US"/>
               <a:t>Third level</a:t>
             </a:r>
-            <a:endParaRPr lang="en-US"/>
           </a:p>
           <a:p>
             <a:pPr lvl="3"/>
@@ -558,7 +632,6 @@
               <a:rPr lang="en-US"/>
               <a:t>Fourth level</a:t>
             </a:r>
-            <a:endParaRPr lang="en-US"/>
           </a:p>
           <a:p>
             <a:pPr lvl="4"/>
@@ -566,7 +639,6 @@
               <a:rPr lang="en-US"/>
               <a:t>Fifth level</a:t>
             </a:r>
-            <a:endParaRPr lang="en-US"/>
           </a:p>
         </p:txBody>
       </p:sp>
@@ -587,6 +659,7 @@
           <a:p>
             <a:fld id="{63A1C593-65D0-4073-BCC9-577B9352EA97}" type="datetimeFigureOut">
               <a:rPr lang="en-US" smtClean="0"/>
+              <a:t>7/9/2019</a:t>
             </a:fld>
             <a:endParaRPr lang="en-US"/>
           </a:p>
@@ -628,6 +701,7 @@
           <a:p>
             <a:fld id="{9B618960-8005-486C-9A75-10CB2AAC16F9}" type="slidenum">
               <a:rPr lang="en-US" smtClean="0"/>
+              <a:t>‹#›</a:t>
             </a:fld>
             <a:endParaRPr lang="en-US"/>
           </a:p>
@@ -677,7 +751,6 @@
               <a:rPr lang="en-US"/>
               <a:t>Click to edit Master title style</a:t>
             </a:r>
-            <a:endParaRPr lang="en-US"/>
           </a:p>
         </p:txBody>
       </p:sp>
@@ -701,7 +774,6 @@
               <a:rPr lang="en-US"/>
               <a:t>Click to edit Master text styles</a:t>
             </a:r>
-            <a:endParaRPr lang="en-US"/>
           </a:p>
           <a:p>
             <a:pPr lvl="1"/>
@@ -709,7 +781,6 @@
               <a:rPr lang="en-US"/>
               <a:t>Second level</a:t>
             </a:r>
-            <a:endParaRPr lang="en-US"/>
           </a:p>
           <a:p>
             <a:pPr lvl="2"/>
@@ -717,7 +788,6 @@
               <a:rPr lang="en-US"/>
               <a:t>Third level</a:t>
             </a:r>
-            <a:endParaRPr lang="en-US"/>
           </a:p>
           <a:p>
             <a:pPr lvl="3"/>
@@ -725,7 +795,6 @@
               <a:rPr lang="en-US"/>
               <a:t>Fourth level</a:t>
             </a:r>
-            <a:endParaRPr lang="en-US"/>
           </a:p>
           <a:p>
             <a:pPr lvl="4"/>
@@ -733,7 +802,6 @@
               <a:rPr lang="en-US"/>
               <a:t>Fifth level</a:t>
             </a:r>
-            <a:endParaRPr lang="en-US"/>
           </a:p>
         </p:txBody>
       </p:sp>
@@ -754,6 +822,7 @@
           <a:p>
             <a:fld id="{63A1C593-65D0-4073-BCC9-577B9352EA97}" type="datetimeFigureOut">
               <a:rPr lang="en-US" smtClean="0"/>
+              <a:t>7/9/2019</a:t>
             </a:fld>
             <a:endParaRPr lang="en-US"/>
           </a:p>
@@ -795,6 +864,7 @@
           <a:p>
             <a:fld id="{9B618960-8005-486C-9A75-10CB2AAC16F9}" type="slidenum">
               <a:rPr lang="en-US" smtClean="0"/>
+              <a:t>‹#›</a:t>
             </a:fld>
             <a:endParaRPr lang="en-US"/>
           </a:p>
@@ -853,7 +923,6 @@
               <a:rPr lang="en-US"/>
               <a:t>Click to edit Master title style</a:t>
             </a:r>
-            <a:endParaRPr lang="en-US"/>
           </a:p>
         </p:txBody>
       </p:sp>
@@ -973,7 +1042,6 @@
               <a:rPr lang="en-US"/>
               <a:t>Click to edit Master text styles</a:t>
             </a:r>
-            <a:endParaRPr lang="en-US"/>
           </a:p>
         </p:txBody>
       </p:sp>
@@ -994,6 +1062,7 @@
           <a:p>
             <a:fld id="{63A1C593-65D0-4073-BCC9-577B9352EA97}" type="datetimeFigureOut">
               <a:rPr lang="en-US" smtClean="0"/>
+              <a:t>7/9/2019</a:t>
             </a:fld>
             <a:endParaRPr lang="en-US"/>
           </a:p>
@@ -1035,6 +1104,7 @@
           <a:p>
             <a:fld id="{9B618960-8005-486C-9A75-10CB2AAC16F9}" type="slidenum">
               <a:rPr lang="en-US" smtClean="0"/>
+              <a:t>‹#›</a:t>
             </a:fld>
             <a:endParaRPr lang="en-US"/>
           </a:p>
@@ -1084,7 +1154,6 @@
               <a:rPr lang="en-US"/>
               <a:t>Click to edit Master title style</a:t>
             </a:r>
-            <a:endParaRPr lang="en-US"/>
           </a:p>
         </p:txBody>
       </p:sp>
@@ -1113,7 +1182,6 @@
               <a:rPr lang="en-US"/>
               <a:t>Click to edit Master text styles</a:t>
             </a:r>
-            <a:endParaRPr lang="en-US"/>
           </a:p>
           <a:p>
             <a:pPr lvl="1"/>
@@ -1121,7 +1189,6 @@
               <a:rPr lang="en-US"/>
               <a:t>Second level</a:t>
             </a:r>
-            <a:endParaRPr lang="en-US"/>
           </a:p>
           <a:p>
             <a:pPr lvl="2"/>
@@ -1129,7 +1196,6 @@
               <a:rPr lang="en-US"/>
               <a:t>Third level</a:t>
             </a:r>
-            <a:endParaRPr lang="en-US"/>
           </a:p>
           <a:p>
             <a:pPr lvl="3"/>
@@ -1137,7 +1203,6 @@
               <a:rPr lang="en-US"/>
               <a:t>Fourth level</a:t>
             </a:r>
-            <a:endParaRPr lang="en-US"/>
           </a:p>
           <a:p>
             <a:pPr lvl="4"/>
@@ -1145,7 +1210,6 @@
               <a:rPr lang="en-US"/>
               <a:t>Fifth level</a:t>
             </a:r>
-            <a:endParaRPr lang="en-US"/>
           </a:p>
         </p:txBody>
       </p:sp>
@@ -1174,7 +1238,6 @@
               <a:rPr lang="en-US"/>
               <a:t>Click to edit Master text styles</a:t>
             </a:r>
-            <a:endParaRPr lang="en-US"/>
           </a:p>
           <a:p>
             <a:pPr lvl="1"/>
@@ -1182,7 +1245,6 @@
               <a:rPr lang="en-US"/>
               <a:t>Second level</a:t>
             </a:r>
-            <a:endParaRPr lang="en-US"/>
           </a:p>
           <a:p>
             <a:pPr lvl="2"/>
@@ -1190,7 +1252,6 @@
               <a:rPr lang="en-US"/>
               <a:t>Third level</a:t>
             </a:r>
-            <a:endParaRPr lang="en-US"/>
           </a:p>
           <a:p>
             <a:pPr lvl="3"/>
@@ -1198,7 +1259,6 @@
               <a:rPr lang="en-US"/>
               <a:t>Fourth level</a:t>
             </a:r>
-            <a:endParaRPr lang="en-US"/>
           </a:p>
           <a:p>
             <a:pPr lvl="4"/>
@@ -1206,7 +1266,6 @@
               <a:rPr lang="en-US"/>
               <a:t>Fifth level</a:t>
             </a:r>
-            <a:endParaRPr lang="en-US"/>
           </a:p>
         </p:txBody>
       </p:sp>
@@ -1227,6 +1286,7 @@
           <a:p>
             <a:fld id="{63A1C593-65D0-4073-BCC9-577B9352EA97}" type="datetimeFigureOut">
               <a:rPr lang="en-US" smtClean="0"/>
+              <a:t>7/9/2019</a:t>
             </a:fld>
             <a:endParaRPr lang="en-US"/>
           </a:p>
@@ -1268,6 +1328,7 @@
           <a:p>
             <a:fld id="{9B618960-8005-486C-9A75-10CB2AAC16F9}" type="slidenum">
               <a:rPr lang="en-US" smtClean="0"/>
+              <a:t>‹#›</a:t>
             </a:fld>
             <a:endParaRPr lang="en-US"/>
           </a:p>
@@ -1322,7 +1383,6 @@
               <a:rPr lang="en-US"/>
               <a:t>Click to edit Master title style</a:t>
             </a:r>
-            <a:endParaRPr lang="en-US"/>
           </a:p>
         </p:txBody>
       </p:sp>
@@ -1388,7 +1448,6 @@
               <a:rPr lang="en-US"/>
               <a:t>Click to edit Master text styles</a:t>
             </a:r>
-            <a:endParaRPr lang="en-US"/>
           </a:p>
         </p:txBody>
       </p:sp>
@@ -1417,7 +1476,6 @@
               <a:rPr lang="en-US"/>
               <a:t>Click to edit Master text styles</a:t>
             </a:r>
-            <a:endParaRPr lang="en-US"/>
           </a:p>
           <a:p>
             <a:pPr lvl="1"/>
@@ -1425,7 +1483,6 @@
               <a:rPr lang="en-US"/>
               <a:t>Second level</a:t>
             </a:r>
-            <a:endParaRPr lang="en-US"/>
           </a:p>
           <a:p>
             <a:pPr lvl="2"/>
@@ -1433,7 +1490,6 @@
               <a:rPr lang="en-US"/>
               <a:t>Third level</a:t>
             </a:r>
-            <a:endParaRPr lang="en-US"/>
           </a:p>
           <a:p>
             <a:pPr lvl="3"/>
@@ -1441,7 +1497,6 @@
               <a:rPr lang="en-US"/>
               <a:t>Fourth level</a:t>
             </a:r>
-            <a:endParaRPr lang="en-US"/>
           </a:p>
           <a:p>
             <a:pPr lvl="4"/>
@@ -1449,7 +1504,6 @@
               <a:rPr lang="en-US"/>
               <a:t>Fifth level</a:t>
             </a:r>
-            <a:endParaRPr lang="en-US"/>
           </a:p>
         </p:txBody>
       </p:sp>
@@ -1515,7 +1569,6 @@
               <a:rPr lang="en-US"/>
               <a:t>Click to edit Master text styles</a:t>
             </a:r>
-            <a:endParaRPr lang="en-US"/>
           </a:p>
         </p:txBody>
       </p:sp>
@@ -1544,7 +1597,6 @@
               <a:rPr lang="en-US"/>
               <a:t>Click to edit Master text styles</a:t>
             </a:r>
-            <a:endParaRPr lang="en-US"/>
           </a:p>
           <a:p>
             <a:pPr lvl="1"/>
@@ -1552,7 +1604,6 @@
               <a:rPr lang="en-US"/>
               <a:t>Second level</a:t>
             </a:r>
-            <a:endParaRPr lang="en-US"/>
           </a:p>
           <a:p>
             <a:pPr lvl="2"/>
@@ -1560,7 +1611,6 @@
               <a:rPr lang="en-US"/>
               <a:t>Third level</a:t>
             </a:r>
-            <a:endParaRPr lang="en-US"/>
           </a:p>
           <a:p>
             <a:pPr lvl="3"/>
@@ -1568,7 +1618,6 @@
               <a:rPr lang="en-US"/>
               <a:t>Fourth level</a:t>
             </a:r>
-            <a:endParaRPr lang="en-US"/>
           </a:p>
           <a:p>
             <a:pPr lvl="4"/>
@@ -1576,7 +1625,6 @@
               <a:rPr lang="en-US"/>
               <a:t>Fifth level</a:t>
             </a:r>
-            <a:endParaRPr lang="en-US"/>
           </a:p>
         </p:txBody>
       </p:sp>
@@ -1597,6 +1645,7 @@
           <a:p>
             <a:fld id="{63A1C593-65D0-4073-BCC9-577B9352EA97}" type="datetimeFigureOut">
               <a:rPr lang="en-US" smtClean="0"/>
+              <a:t>7/9/2019</a:t>
             </a:fld>
             <a:endParaRPr lang="en-US"/>
           </a:p>
@@ -1638,6 +1687,7 @@
           <a:p>
             <a:fld id="{9B618960-8005-486C-9A75-10CB2AAC16F9}" type="slidenum">
               <a:rPr lang="en-US" smtClean="0"/>
+              <a:t>‹#›</a:t>
             </a:fld>
             <a:endParaRPr lang="en-US"/>
           </a:p>
@@ -1687,7 +1737,6 @@
               <a:rPr lang="en-US"/>
               <a:t>Click to edit Master title style</a:t>
             </a:r>
-            <a:endParaRPr lang="en-US"/>
           </a:p>
         </p:txBody>
       </p:sp>
@@ -1708,6 +1757,7 @@
           <a:p>
             <a:fld id="{63A1C593-65D0-4073-BCC9-577B9352EA97}" type="datetimeFigureOut">
               <a:rPr lang="en-US" smtClean="0"/>
+              <a:t>7/9/2019</a:t>
             </a:fld>
             <a:endParaRPr lang="en-US"/>
           </a:p>
@@ -1749,6 +1799,7 @@
           <a:p>
             <a:fld id="{9B618960-8005-486C-9A75-10CB2AAC16F9}" type="slidenum">
               <a:rPr lang="en-US" smtClean="0"/>
+              <a:t>‹#›</a:t>
             </a:fld>
             <a:endParaRPr lang="en-US"/>
           </a:p>
@@ -1796,6 +1847,7 @@
           <a:p>
             <a:fld id="{63A1C593-65D0-4073-BCC9-577B9352EA97}" type="datetimeFigureOut">
               <a:rPr lang="en-US" smtClean="0"/>
+              <a:t>7/9/2019</a:t>
             </a:fld>
             <a:endParaRPr lang="en-US"/>
           </a:p>
@@ -1837,6 +1889,7 @@
           <a:p>
             <a:fld id="{9B618960-8005-486C-9A75-10CB2AAC16F9}" type="slidenum">
               <a:rPr lang="en-US" smtClean="0"/>
+              <a:t>‹#›</a:t>
             </a:fld>
             <a:endParaRPr lang="en-US"/>
           </a:p>
@@ -1895,7 +1948,6 @@
               <a:rPr lang="en-US"/>
               <a:t>Click to edit Master title style</a:t>
             </a:r>
-            <a:endParaRPr lang="en-US"/>
           </a:p>
         </p:txBody>
       </p:sp>
@@ -1952,7 +2004,6 @@
               <a:rPr lang="en-US"/>
               <a:t>Click to edit Master text styles</a:t>
             </a:r>
-            <a:endParaRPr lang="en-US"/>
           </a:p>
           <a:p>
             <a:pPr lvl="1"/>
@@ -1960,7 +2011,6 @@
               <a:rPr lang="en-US"/>
               <a:t>Second level</a:t>
             </a:r>
-            <a:endParaRPr lang="en-US"/>
           </a:p>
           <a:p>
             <a:pPr lvl="2"/>
@@ -1968,7 +2018,6 @@
               <a:rPr lang="en-US"/>
               <a:t>Third level</a:t>
             </a:r>
-            <a:endParaRPr lang="en-US"/>
           </a:p>
           <a:p>
             <a:pPr lvl="3"/>
@@ -1976,7 +2025,6 @@
               <a:rPr lang="en-US"/>
               <a:t>Fourth level</a:t>
             </a:r>
-            <a:endParaRPr lang="en-US"/>
           </a:p>
           <a:p>
             <a:pPr lvl="4"/>
@@ -1984,7 +2032,6 @@
               <a:rPr lang="en-US"/>
               <a:t>Fifth level</a:t>
             </a:r>
-            <a:endParaRPr lang="en-US"/>
           </a:p>
         </p:txBody>
       </p:sp>
@@ -2050,7 +2097,6 @@
               <a:rPr lang="en-US"/>
               <a:t>Click to edit Master text styles</a:t>
             </a:r>
-            <a:endParaRPr lang="en-US"/>
           </a:p>
         </p:txBody>
       </p:sp>
@@ -2071,6 +2117,7 @@
           <a:p>
             <a:fld id="{63A1C593-65D0-4073-BCC9-577B9352EA97}" type="datetimeFigureOut">
               <a:rPr lang="en-US" smtClean="0"/>
+              <a:t>7/9/2019</a:t>
             </a:fld>
             <a:endParaRPr lang="en-US"/>
           </a:p>
@@ -2112,6 +2159,7 @@
           <a:p>
             <a:fld id="{9B618960-8005-486C-9A75-10CB2AAC16F9}" type="slidenum">
               <a:rPr lang="en-US" smtClean="0"/>
+              <a:t>‹#›</a:t>
             </a:fld>
             <a:endParaRPr lang="en-US"/>
           </a:p>
@@ -2170,7 +2218,6 @@
               <a:rPr lang="en-US"/>
               <a:t>Click to edit Master title style</a:t>
             </a:r>
-            <a:endParaRPr lang="en-US"/>
           </a:p>
         </p:txBody>
       </p:sp>
@@ -2297,7 +2344,6 @@
               <a:rPr lang="en-US"/>
               <a:t>Click to edit Master text styles</a:t>
             </a:r>
-            <a:endParaRPr lang="en-US"/>
           </a:p>
         </p:txBody>
       </p:sp>
@@ -2318,6 +2364,7 @@
           <a:p>
             <a:fld id="{63A1C593-65D0-4073-BCC9-577B9352EA97}" type="datetimeFigureOut">
               <a:rPr lang="en-US" smtClean="0"/>
+              <a:t>7/9/2019</a:t>
             </a:fld>
             <a:endParaRPr lang="en-US"/>
           </a:p>
@@ -2359,6 +2406,7 @@
           <a:p>
             <a:fld id="{9B618960-8005-486C-9A75-10CB2AAC16F9}" type="slidenum">
               <a:rPr lang="en-US" smtClean="0"/>
+              <a:t>‹#›</a:t>
             </a:fld>
             <a:endParaRPr lang="en-US"/>
           </a:p>
@@ -2455,7 +2503,6 @@
               <a:rPr lang="en-US"/>
               <a:t>Click to edit Master title style</a:t>
             </a:r>
-            <a:endParaRPr lang="en-US"/>
           </a:p>
         </p:txBody>
       </p:sp>
@@ -2489,7 +2536,6 @@
               <a:rPr lang="en-US"/>
               <a:t>Click to edit Master text styles</a:t>
             </a:r>
-            <a:endParaRPr lang="en-US"/>
           </a:p>
           <a:p>
             <a:pPr lvl="1"/>
@@ -2497,7 +2543,6 @@
               <a:rPr lang="en-US"/>
               <a:t>Second level</a:t>
             </a:r>
-            <a:endParaRPr lang="en-US"/>
           </a:p>
           <a:p>
             <a:pPr lvl="2"/>
@@ -2505,7 +2550,6 @@
               <a:rPr lang="en-US"/>
               <a:t>Third level</a:t>
             </a:r>
-            <a:endParaRPr lang="en-US"/>
           </a:p>
           <a:p>
             <a:pPr lvl="3"/>
@@ -2513,7 +2557,6 @@
               <a:rPr lang="en-US"/>
               <a:t>Fourth level</a:t>
             </a:r>
-            <a:endParaRPr lang="en-US"/>
           </a:p>
           <a:p>
             <a:pPr lvl="4"/>
@@ -2521,7 +2564,6 @@
               <a:rPr lang="en-US"/>
               <a:t>Fifth level</a:t>
             </a:r>
-            <a:endParaRPr lang="en-US"/>
           </a:p>
         </p:txBody>
       </p:sp>
@@ -2560,6 +2602,7 @@
           <a:p>
             <a:fld id="{63A1C593-65D0-4073-BCC9-577B9352EA97}" type="datetimeFigureOut">
               <a:rPr lang="en-US" smtClean="0"/>
+              <a:t>7/9/2019</a:t>
             </a:fld>
             <a:endParaRPr lang="en-US"/>
           </a:p>
@@ -2637,6 +2680,7 @@
           <a:p>
             <a:fld id="{9B618960-8005-486C-9A75-10CB2AAC16F9}" type="slidenum">
               <a:rPr lang="en-US" smtClean="0"/>
+              <a:t>‹#›</a:t>
             </a:fld>
             <a:endParaRPr lang="en-US"/>
           </a:p>
@@ -3007,10 +3051,6 @@
               </a:rPr>
               <a:t>AACS2192 Analysis and Design of IS - Case Study</a:t>
             </a:r>
-            <a:endParaRPr lang="en-US" dirty="0">
-              <a:ea typeface="+mn-lt"/>
-              <a:cs typeface="+mn-lt"/>
-            </a:endParaRPr>
           </a:p>
           <a:p>
             <a:r>
@@ -3020,10 +3060,6 @@
               </a:rPr>
               <a:t>Library System</a:t>
             </a:r>
-            <a:endParaRPr lang="en-US" dirty="0">
-              <a:ea typeface="+mn-lt"/>
-              <a:cs typeface="+mn-lt"/>
-            </a:endParaRPr>
           </a:p>
         </p:txBody>
       </p:sp>
@@ -3081,10 +3117,6 @@
               </a:rPr>
               <a:t>Context Diagram</a:t>
             </a:r>
-            <a:endParaRPr lang="en-US" altLang="zh-CN" dirty="0">
-              <a:latin typeface="Times New Roman" panose="02020603050405020304" charset="0"/>
-              <a:cs typeface="Times New Roman" panose="02020603050405020304" charset="0"/>
-            </a:endParaRPr>
           </a:p>
         </p:txBody>
       </p:sp>
@@ -3113,6 +3145,66 @@
           <a:chExt cx="0" cy="0"/>
         </a:xfrm>
       </p:grpSpPr>
+      <p:pic>
+        <p:nvPicPr>
+          <p:cNvPr id="5" name="Picture 5">
+            <a:extLst>
+              <a:ext uri="{FF2B5EF4-FFF2-40B4-BE49-F238E27FC236}">
+                <a16:creationId xmlns:a16="http://schemas.microsoft.com/office/drawing/2014/main" id="{4FFA0A96-01EE-4F69-817A-D96303446A65}"/>
+              </a:ext>
+            </a:extLst>
+          </p:cNvPr>
+          <p:cNvPicPr>
+            <a:picLocks noChangeAspect="1"/>
+          </p:cNvPicPr>
+          <p:nvPr/>
+        </p:nvPicPr>
+        <p:blipFill>
+          <a:blip r:embed="rId2"/>
+          <a:stretch>
+            <a:fillRect/>
+          </a:stretch>
+        </p:blipFill>
+        <p:spPr>
+          <a:xfrm>
+            <a:off x="-4074" y="1763"/>
+            <a:ext cx="12196991" cy="6854474"/>
+          </a:xfrm>
+          <a:prstGeom prst="rect">
+            <a:avLst/>
+          </a:prstGeom>
+        </p:spPr>
+      </p:pic>
+    </p:spTree>
+    <p:extLst>
+      <p:ext uri="{BB962C8B-B14F-4D97-AF65-F5344CB8AC3E}">
+        <p14:creationId xmlns:p14="http://schemas.microsoft.com/office/powerpoint/2010/main" val="3245123126"/>
+      </p:ext>
+    </p:extLst>
+  </p:cSld>
+  <p:clrMapOvr>
+    <a:masterClrMapping/>
+  </p:clrMapOvr>
+</p:sld>
+</file>
+
+<file path=ppt/slides/slide4.xml><?xml version="1.0" encoding="utf-8"?>
+<p:sld xmlns:a="http://schemas.openxmlformats.org/drawingml/2006/main" xmlns:r="http://schemas.openxmlformats.org/officeDocument/2006/relationships" xmlns:p="http://schemas.openxmlformats.org/presentationml/2006/main">
+  <p:cSld>
+    <p:spTree>
+      <p:nvGrpSpPr>
+        <p:cNvPr id="1" name=""/>
+        <p:cNvGrpSpPr/>
+        <p:nvPr/>
+      </p:nvGrpSpPr>
+      <p:grpSpPr>
+        <a:xfrm>
+          <a:off x="0" y="0"/>
+          <a:ext cx="0" cy="0"/>
+          <a:chOff x="0" y="0"/>
+          <a:chExt cx="0" cy="0"/>
+        </a:xfrm>
+      </p:grpSpPr>
       <p:sp>
         <p:nvSpPr>
           <p:cNvPr id="2" name="Title 1"/>
@@ -3155,10 +3247,6 @@
               </a:rPr>
               <a:t>Diagram</a:t>
             </a:r>
-            <a:endParaRPr lang="en-US" altLang="zh-CN" dirty="0">
-              <a:latin typeface="Times New Roman" panose="02020603050405020304" charset="0"/>
-              <a:cs typeface="Times New Roman" panose="02020603050405020304" charset="0"/>
-            </a:endParaRPr>
           </a:p>
         </p:txBody>
       </p:sp>
@@ -3170,7 +3258,7 @@
 </p:sld>
 </file>
 
-<file path=ppt/slides/slide4.xml><?xml version="1.0" encoding="utf-8"?>
+<file path=ppt/slides/slide5.xml><?xml version="1.0" encoding="utf-8"?>
 <p:sld xmlns:a="http://schemas.openxmlformats.org/drawingml/2006/main" xmlns:r="http://schemas.openxmlformats.org/officeDocument/2006/relationships" xmlns:p="http://schemas.openxmlformats.org/presentationml/2006/main">
   <p:cSld>
     <p:bg>
@@ -3204,7 +3292,7 @@
           <p:nvPr/>
         </p:nvPicPr>
         <p:blipFill>
-          <a:blip r:embed="rId1"/>
+          <a:blip r:embed="rId2"/>
           <a:stretch>
             <a:fillRect/>
           </a:stretch>
@@ -3219,118 +3307,6 @@
           </a:prstGeom>
         </p:spPr>
       </p:pic>
-    </p:spTree>
-  </p:cSld>
-  <p:clrMapOvr>
-    <a:masterClrMapping/>
-  </p:clrMapOvr>
-</p:sld>
-</file>
-
-<file path=ppt/slides/slide5.xml><?xml version="1.0" encoding="utf-8"?>
-<p:sld xmlns:a="http://schemas.openxmlformats.org/drawingml/2006/main" xmlns:r="http://schemas.openxmlformats.org/officeDocument/2006/relationships" xmlns:p="http://schemas.openxmlformats.org/presentationml/2006/main">
-  <p:cSld>
-    <p:spTree>
-      <p:nvGrpSpPr>
-        <p:cNvPr id="1" name=""/>
-        <p:cNvGrpSpPr/>
-        <p:nvPr/>
-      </p:nvGrpSpPr>
-      <p:grpSpPr>
-        <a:xfrm>
-          <a:off x="0" y="0"/>
-          <a:ext cx="0" cy="0"/>
-          <a:chOff x="0" y="0"/>
-          <a:chExt cx="0" cy="0"/>
-        </a:xfrm>
-      </p:grpSpPr>
-      <p:sp>
-        <p:nvSpPr>
-          <p:cNvPr id="2" name="Title 1"/>
-          <p:cNvSpPr>
-            <a:spLocks noGrp="1"/>
-          </p:cNvSpPr>
-          <p:nvPr>
-            <p:ph type="title"/>
-          </p:nvPr>
-        </p:nvSpPr>
-        <p:spPr>
-          <a:xfrm>
-            <a:off x="838200" y="2766060"/>
-            <a:ext cx="10515600" cy="1325563"/>
-          </a:xfrm>
-        </p:spPr>
-        <p:txBody>
-          <a:bodyPr/>
-          <a:lstStyle/>
-          <a:p>
-            <a:pPr algn="ctr"/>
-            <a:r>
-              <a:rPr lang="en-US">
-                <a:latin typeface="Times New Roman" panose="02020603050405020304" charset="0"/>
-                <a:cs typeface="Times New Roman" panose="02020603050405020304" charset="0"/>
-              </a:rPr>
-              <a:t>DFD</a:t>
-            </a:r>
-            <a:r>
-              <a:rPr lang="zh-CN" altLang="en-US">
-                <a:latin typeface="Times New Roman" panose="02020603050405020304" charset="0"/>
-                <a:cs typeface="Times New Roman" panose="02020603050405020304" charset="0"/>
-              </a:rPr>
-              <a:t>１</a:t>
-            </a:r>
-            <a:r>
-              <a:rPr lang="en-US" altLang="zh-CN">
-                <a:latin typeface="Times New Roman" panose="02020603050405020304" charset="0"/>
-                <a:cs typeface="Times New Roman" panose="02020603050405020304" charset="0"/>
-              </a:rPr>
-              <a:t>Diagram</a:t>
-            </a:r>
-            <a:endParaRPr lang="en-US" altLang="zh-CN">
-              <a:latin typeface="Times New Roman" panose="02020603050405020304" charset="0"/>
-              <a:cs typeface="Times New Roman" panose="02020603050405020304" charset="0"/>
-            </a:endParaRPr>
-          </a:p>
-        </p:txBody>
-      </p:sp>
-      <p:sp>
-        <p:nvSpPr>
-          <p:cNvPr id="3" name="Content Placeholder 2"/>
-          <p:cNvSpPr>
-            <a:spLocks noGrp="1"/>
-          </p:cNvSpPr>
-          <p:nvPr>
-            <p:ph sz="half" idx="1"/>
-          </p:nvPr>
-        </p:nvSpPr>
-        <p:spPr/>
-        <p:txBody>
-          <a:bodyPr/>
-          <a:lstStyle/>
-          <a:p>
-            <a:endParaRPr lang="en-US"/>
-          </a:p>
-        </p:txBody>
-      </p:sp>
-      <p:sp>
-        <p:nvSpPr>
-          <p:cNvPr id="4" name="Content Placeholder 3"/>
-          <p:cNvSpPr>
-            <a:spLocks noGrp="1"/>
-          </p:cNvSpPr>
-          <p:nvPr>
-            <p:ph sz="half" idx="2"/>
-          </p:nvPr>
-        </p:nvSpPr>
-        <p:spPr/>
-        <p:txBody>
-          <a:bodyPr/>
-          <a:lstStyle/>
-          <a:p>
-            <a:endParaRPr lang="en-US"/>
-          </a:p>
-        </p:txBody>
-      </p:sp>
     </p:spTree>
   </p:cSld>
   <p:clrMapOvr>
@@ -3358,6 +3334,76 @@
       </p:grpSpPr>
       <p:sp>
         <p:nvSpPr>
+          <p:cNvPr id="2" name="Title 1"/>
+          <p:cNvSpPr>
+            <a:spLocks noGrp="1"/>
+          </p:cNvSpPr>
+          <p:nvPr>
+            <p:ph type="title"/>
+          </p:nvPr>
+        </p:nvSpPr>
+        <p:spPr>
+          <a:xfrm>
+            <a:off x="838200" y="2766060"/>
+            <a:ext cx="10515600" cy="1325563"/>
+          </a:xfrm>
+        </p:spPr>
+        <p:txBody>
+          <a:bodyPr/>
+          <a:lstStyle/>
+          <a:p>
+            <a:pPr algn="ctr"/>
+            <a:r>
+              <a:rPr lang="en-US">
+                <a:latin typeface="Times New Roman" panose="02020603050405020304" charset="0"/>
+                <a:cs typeface="Times New Roman" panose="02020603050405020304" charset="0"/>
+              </a:rPr>
+              <a:t>DFD</a:t>
+            </a:r>
+            <a:r>
+              <a:rPr lang="zh-CN" altLang="en-US">
+                <a:latin typeface="Times New Roman" panose="02020603050405020304" charset="0"/>
+                <a:cs typeface="Times New Roman" panose="02020603050405020304" charset="0"/>
+              </a:rPr>
+              <a:t>１</a:t>
+            </a:r>
+            <a:r>
+              <a:rPr lang="en-US" altLang="zh-CN">
+                <a:latin typeface="Times New Roman" panose="02020603050405020304" charset="0"/>
+                <a:cs typeface="Times New Roman" panose="02020603050405020304" charset="0"/>
+              </a:rPr>
+              <a:t>Diagram</a:t>
+            </a:r>
+          </a:p>
+        </p:txBody>
+      </p:sp>
+    </p:spTree>
+  </p:cSld>
+  <p:clrMapOvr>
+    <a:masterClrMapping/>
+  </p:clrMapOvr>
+</p:sld>
+</file>
+
+<file path=ppt/slides/slide7.xml><?xml version="1.0" encoding="utf-8"?>
+<p:sld xmlns:a="http://schemas.openxmlformats.org/drawingml/2006/main" xmlns:r="http://schemas.openxmlformats.org/officeDocument/2006/relationships" xmlns:p="http://schemas.openxmlformats.org/presentationml/2006/main">
+  <p:cSld>
+    <p:spTree>
+      <p:nvGrpSpPr>
+        <p:cNvPr id="1" name=""/>
+        <p:cNvGrpSpPr/>
+        <p:nvPr/>
+      </p:nvGrpSpPr>
+      <p:grpSpPr>
+        <a:xfrm>
+          <a:off x="0" y="0"/>
+          <a:ext cx="0" cy="0"/>
+          <a:chOff x="0" y="0"/>
+          <a:chExt cx="0" cy="0"/>
+        </a:xfrm>
+      </p:grpSpPr>
+      <p:sp>
+        <p:nvSpPr>
           <p:cNvPr id="5" name="Title 4"/>
           <p:cNvSpPr>
             <a:spLocks noGrp="1"/>
@@ -3369,6 +3415,7 @@
         <p:spPr/>
         <p:txBody>
           <a:bodyPr/>
+          <a:lstStyle/>
           <a:p>
             <a:endParaRPr lang="en-US"/>
           </a:p>
@@ -3378,7 +3425,7 @@
         <p:nvGraphicFramePr>
           <p:cNvPr id="7" name="Content Placeholder 6"/>
           <p:cNvGraphicFramePr>
-            <a:graphicFrameLocks noChangeAspect="1"/>
+            <a:graphicFrameLocks noGrp="1" noChangeAspect="1"/>
           </p:cNvGraphicFramePr>
           <p:nvPr>
             <p:ph idx="1"/>
@@ -3392,12 +3439,12 @@
           <a:graphicData uri="http://schemas.openxmlformats.org/presentationml/2006/ole">
             <mc:AlternateContent xmlns:mc="http://schemas.openxmlformats.org/markup-compatibility/2006">
               <mc:Choice xmlns:v="urn:schemas-microsoft-com:vml" Requires="v">
-                <p:oleObj spid="_x0000_s8" name="" r:id="rId1" imgW="8039100" imgH="6012180" progId="Paint.Picture">
+                <p:oleObj spid="_x0000_s7183" r:id="rId3" imgW="8039100" imgH="6012180" progId="Paint.Picture">
                   <p:embed/>
                 </p:oleObj>
               </mc:Choice>
               <mc:Fallback>
-                <p:oleObj name="" r:id="rId1" imgW="8039100" imgH="6012180" progId="Paint.Picture">
+                <p:oleObj r:id="rId3" imgW="8039100" imgH="6012180" progId="Paint.Picture">
                   <p:embed/>
                   <p:pic>
                     <p:nvPicPr>
@@ -3406,7 +3453,7 @@
                       <p:nvPr/>
                     </p:nvPicPr>
                     <p:blipFill>
-                      <a:blip r:embed="rId2"/>
+                      <a:blip r:embed="rId4"/>
                       <a:stretch>
                         <a:fillRect/>
                       </a:stretch>
@@ -3686,6 +3733,8 @@
       </a:bgFillStyleLst>
     </a:fmtScheme>
   </a:themeElements>
+  <a:objectDefaults/>
+  <a:extraClrSchemeLst/>
   <a:extLst>
     <a:ext uri="{05A4C25C-085E-4340-85A3-A5531E510DB2}">
       <thm15:themeFamily xmlns:thm15="http://schemas.microsoft.com/office/thememl/2012/main" name="Office Theme" id="{62F939B6-93AF-4DB8-9C6B-D6C7DFDC589F}" vid="{4A3C46E8-61CC-4603-A589-7422A47A8E4A}"/>
